--- a/backend/slides/presentation_generate_slide_for_explain_arc.pptx
+++ b/backend/slides/presentation_generate_slide_for_explain_arc.pptx
@@ -3109,7 +3109,7 @@
           <a:lstStyle/>
           <a:p>
             <a:r>
-              <a:t>Generate Slide for Explain Architecture Transformer (Attention Is All You Need)</a:t>
+              <a:t>Attention Is All You Need - A Deep Dive into the Transformer Architecture</a:t>
             </a:r>
           </a:p>
         </p:txBody>
@@ -3188,17 +3188,41 @@
           <a:p>
             <a:pPr/>
             <a:r>
-              <a:t>Transformers are a type of neural network that has revolutionized natural language processing.</a:t>
+              <a:t>Transformers have revolutionized natural language processing.</a:t>
             </a:r>
           </a:p>
           <a:p>
             <a:pPr/>
             <a:r>
-              <a:t>They excel at tasks such as translation and summarization due to their attention mechanism.</a:t>
-            </a:r>
-          </a:p>
-        </p:txBody>
-      </p:sp>
+              <a:t>They excel at sequence prediction tasks with remarkable efficiency.</a:t>
+            </a:r>
+          </a:p>
+        </p:txBody>
+      </p:sp>
+      <p:pic>
+        <p:nvPicPr>
+          <p:cNvPr id="4" name="Picture 3" descr="generated_9917.png"/>
+          <p:cNvPicPr>
+            <a:picLocks noChangeAspect="1"/>
+          </p:cNvPicPr>
+          <p:nvPr/>
+        </p:nvPicPr>
+        <p:blipFill>
+          <a:blip r:embed="rId2"/>
+          <a:stretch>
+            <a:fillRect/>
+          </a:stretch>
+        </p:blipFill>
+        <p:spPr>
+          <a:xfrm>
+            <a:off x="6400800" y="4114800"/>
+            <a:ext cx="2286000" cy="2286000"/>
+          </a:xfrm>
+          <a:prstGeom prst="rect">
+            <a:avLst/>
+          </a:prstGeom>
+        </p:spPr>
+      </p:pic>
     </p:spTree>
   </p:cSld>
   <p:clrMapOvr>
@@ -3233,7 +3257,7 @@
           <a:lstStyle/>
           <a:p>
             <a:r>
-              <a:t>The Attention Mechanism</a:t>
+              <a:t>Understanding Attention Mechanism</a:t>
             </a:r>
           </a:p>
         </p:txBody>
@@ -3256,17 +3280,41 @@
           <a:p>
             <a:pPr/>
             <a:r>
-              <a:t>In transformers, the attention mechanism allows each token in the input sequence to attend to different parts of the input.</a:t>
+              <a:t>The core of transformers' effectiveness lies in their attention mechanism.</a:t>
             </a:r>
           </a:p>
           <a:p>
             <a:pPr/>
             <a:r>
-              <a:t>This enables effective modeling of dependencies between words or tokens.</a:t>
-            </a:r>
-          </a:p>
-        </p:txBody>
-      </p:sp>
+              <a:t>This allows them to focus on relevant parts of the input during training and inference.</a:t>
+            </a:r>
+          </a:p>
+        </p:txBody>
+      </p:sp>
+      <p:pic>
+        <p:nvPicPr>
+          <p:cNvPr id="4" name="Picture 3" descr="generated_5028.png"/>
+          <p:cNvPicPr>
+            <a:picLocks noChangeAspect="1"/>
+          </p:cNvPicPr>
+          <p:nvPr/>
+        </p:nvPicPr>
+        <p:blipFill>
+          <a:blip r:embed="rId2"/>
+          <a:stretch>
+            <a:fillRect/>
+          </a:stretch>
+        </p:blipFill>
+        <p:spPr>
+          <a:xfrm>
+            <a:off x="6400800" y="4114800"/>
+            <a:ext cx="2286000" cy="2286000"/>
+          </a:xfrm>
+          <a:prstGeom prst="rect">
+            <a:avLst/>
+          </a:prstGeom>
+        </p:spPr>
+      </p:pic>
     </p:spTree>
   </p:cSld>
   <p:clrMapOvr>
@@ -3301,7 +3349,7 @@
           <a:lstStyle/>
           <a:p>
             <a:r>
-              <a:t>Why Attention? Why Not Recurrent Neural Networks?</a:t>
+              <a:t>The Benefits of Attention Mechanism</a:t>
             </a:r>
           </a:p>
         </p:txBody>
@@ -3324,17 +3372,41 @@
           <a:p>
             <a:pPr/>
             <a:r>
-              <a:t>Recall that recurrent neural networks have long-term dependencies but suffer from vanishing/exploding gradients.</a:t>
+              <a:t>Increased accuracy and efficiency in handling sequential data.</a:t>
             </a:r>
           </a:p>
           <a:p>
             <a:pPr/>
             <a:r>
-              <a:t>By contrast, transformers use an attention mechanism which helps mitigate these issues.</a:t>
-            </a:r>
-          </a:p>
-        </p:txBody>
-      </p:sp>
+              <a:t>Reduced computational complexity compared to recurrent neural networks.</a:t>
+            </a:r>
+          </a:p>
+        </p:txBody>
+      </p:sp>
+      <p:pic>
+        <p:nvPicPr>
+          <p:cNvPr id="4" name="Picture 3" descr="generated_7303.png"/>
+          <p:cNvPicPr>
+            <a:picLocks noChangeAspect="1"/>
+          </p:cNvPicPr>
+          <p:nvPr/>
+        </p:nvPicPr>
+        <p:blipFill>
+          <a:blip r:embed="rId2"/>
+          <a:stretch>
+            <a:fillRect/>
+          </a:stretch>
+        </p:blipFill>
+        <p:spPr>
+          <a:xfrm>
+            <a:off x="6400800" y="4114800"/>
+            <a:ext cx="2286000" cy="2286000"/>
+          </a:xfrm>
+          <a:prstGeom prst="rect">
+            <a:avLst/>
+          </a:prstGeom>
+        </p:spPr>
+      </p:pic>
     </p:spTree>
   </p:cSld>
   <p:clrMapOvr>
@@ -3369,7 +3441,7 @@
           <a:lstStyle/>
           <a:p>
             <a:r>
-              <a:t>Attention in Action - Self-Attention</a:t>
+              <a:t>Applications of Attention Mechanism in Different Fields</a:t>
             </a:r>
           </a:p>
         </p:txBody>
@@ -3392,13 +3464,19 @@
           <a:p>
             <a:pPr/>
             <a:r>
-              <a:t>Self-attention in transformers involves computing dot-products between all pairs of embeddings.</a:t>
+              <a:t>Text generation</a:t>
             </a:r>
           </a:p>
           <a:p>
             <a:pPr/>
             <a:r>
-              <a:t>This results in high-dimensional dot products that capture positional information effectively.</a:t>
+              <a:t>Machine translation</a:t>
+            </a:r>
+          </a:p>
+          <a:p>
+            <a:pPr/>
+            <a:r>
+              <a:t>Speech recognition</a:t>
             </a:r>
           </a:p>
         </p:txBody>
@@ -3437,7 +3515,7 @@
           <a:lstStyle/>
           <a:p>
             <a:r>
-              <a:t>The Transformer Model Structure</a:t>
+              <a:t>Future Prospects of Transformers</a:t>
             </a:r>
           </a:p>
         </p:txBody>
@@ -3460,13 +3538,13 @@
           <a:p>
             <a:pPr/>
             <a:r>
-              <a:t>The model consists of multiple layers stacked on top of each other.</a:t>
+              <a:t>Advancements in hardware and software will further enhance transformer capabilities.</a:t>
             </a:r>
           </a:p>
           <a:p>
             <a:pPr/>
             <a:r>
-              <a:t>Each layer includes an embedding layer, multi-head self-attention block, and feedforward layer.</a:t>
+              <a:t>Research into multi-task learning and self-supervised learning may lead to breakthroughs.</a:t>
             </a:r>
           </a:p>
         </p:txBody>
